--- a/prezentace/1. ročník/09 - databaze a tabulkovy procesor.pptx
+++ b/prezentace/1. ročník/09 - databaze a tabulkovy procesor.pptx
@@ -578,7 +578,7 @@
           <a:p>
             <a:fld id="{DD1C0AFD-19C8-4F60-A212-D1160A075A71}" type="datetimeFigureOut">
               <a:rPr lang="cs-CZ" smtClean="0"/>
-              <a:t>16.12.2025</a:t>
+              <a:t>05.01.2026</a:t>
             </a:fld>
             <a:endParaRPr lang="cs-CZ"/>
           </a:p>
@@ -889,70 +889,11 @@
           <a:bodyPr/>
           <a:lstStyle/>
           <a:p>
-            <a:r>
-              <a:rPr lang="en-US" dirty="0" err="1">
-                <a:latin typeface="Calibri"/>
-                <a:ea typeface="Calibri"/>
-                <a:cs typeface="Calibri"/>
-              </a:rPr>
-              <a:t>Svět</a:t>
-            </a:r>
-            <a:r>
-              <a:rPr lang="en-US" dirty="0">
-                <a:latin typeface="Calibri"/>
-                <a:ea typeface="Calibri"/>
-                <a:cs typeface="Calibri"/>
-              </a:rPr>
-              <a:t> bez </a:t>
-            </a:r>
-            <a:r>
-              <a:rPr lang="en-US" dirty="0" err="1">
-                <a:latin typeface="Calibri"/>
-                <a:ea typeface="Calibri"/>
-                <a:cs typeface="Calibri"/>
-              </a:rPr>
-              <a:t>inernetu</a:t>
-            </a:r>
-            <a:r>
-              <a:rPr lang="en-US" dirty="0">
-                <a:latin typeface="Calibri"/>
-                <a:ea typeface="Calibri"/>
-                <a:cs typeface="Calibri"/>
-              </a:rPr>
-              <a:t>. </a:t>
-            </a:r>
-            <a:r>
-              <a:rPr lang="en-US" dirty="0" err="1">
-                <a:latin typeface="Calibri"/>
-                <a:ea typeface="Calibri"/>
-                <a:cs typeface="Calibri"/>
-              </a:rPr>
-              <a:t>Jaký</a:t>
-            </a:r>
-            <a:r>
-              <a:rPr lang="en-US" dirty="0">
-                <a:latin typeface="Calibri"/>
-                <a:ea typeface="Calibri"/>
-                <a:cs typeface="Calibri"/>
-              </a:rPr>
-              <a:t> by </a:t>
-            </a:r>
-            <a:r>
-              <a:rPr lang="en-US" dirty="0" err="1">
-                <a:latin typeface="Calibri"/>
-                <a:ea typeface="Calibri"/>
-                <a:cs typeface="Calibri"/>
-              </a:rPr>
-              <a:t>byl</a:t>
-            </a:r>
-            <a:r>
-              <a:rPr lang="en-US" dirty="0">
-                <a:latin typeface="Calibri"/>
-                <a:ea typeface="Calibri"/>
-                <a:cs typeface="Calibri"/>
-              </a:rPr>
-              <a:t>?</a:t>
-            </a:r>
+            <a:endParaRPr lang="en-US" dirty="0">
+              <a:latin typeface="Calibri"/>
+              <a:ea typeface="Calibri"/>
+              <a:cs typeface="Calibri"/>
+            </a:endParaRPr>
           </a:p>
         </p:txBody>
       </p:sp>
@@ -1046,6 +987,13 @@
             <a:schemeClr val="lt1"/>
           </a:fontRef>
         </p:style>
+        <p:txBody>
+          <a:bodyPr/>
+          <a:lstStyle/>
+          <a:p>
+            <a:endParaRPr lang="cs-CZ"/>
+          </a:p>
+        </p:txBody>
       </p:sp>
       <p:sp>
         <p:nvSpPr>
@@ -1084,6 +1032,13 @@
             <a:schemeClr val="lt1"/>
           </a:fontRef>
         </p:style>
+        <p:txBody>
+          <a:bodyPr/>
+          <a:lstStyle/>
+          <a:p>
+            <a:endParaRPr lang="cs-CZ"/>
+          </a:p>
+        </p:txBody>
       </p:sp>
       <p:sp>
         <p:nvSpPr>
@@ -1216,7 +1171,7 @@
           <a:p>
             <a:fld id="{4BDF68E2-58F2-4D09-BE8B-E3BD06533059}" type="datetimeFigureOut">
               <a:rPr lang="en-US" dirty="0"/>
-              <a:t>12/16/2025</a:t>
+              <a:t>1/5/2026</a:t>
             </a:fld>
             <a:endParaRPr lang="en-US" dirty="0"/>
           </a:p>
@@ -1422,7 +1377,7 @@
           <a:p>
             <a:fld id="{2E2D6473-DF6D-4702-B328-E0DD40540A4E}" type="datetimeFigureOut">
               <a:rPr lang="en-US" dirty="0"/>
-              <a:t>12/16/2025</a:t>
+              <a:t>1/5/2026</a:t>
             </a:fld>
             <a:endParaRPr lang="en-US" dirty="0"/>
           </a:p>
@@ -1676,7 +1631,7 @@
           <a:p>
             <a:fld id="{E26F7E3A-B166-407D-9866-32884E7D5B37}" type="datetimeFigureOut">
               <a:rPr lang="en-US" dirty="0"/>
-              <a:t>12/16/2025</a:t>
+              <a:t>1/5/2026</a:t>
             </a:fld>
             <a:endParaRPr lang="en-US" dirty="0"/>
           </a:p>
@@ -1848,7 +1803,7 @@
           <a:p>
             <a:fld id="{528FC5F6-F338-4AE4-BB23-26385BCFC423}" type="datetimeFigureOut">
               <a:rPr lang="en-US" dirty="0"/>
-              <a:t>12/16/2025</a:t>
+              <a:t>1/5/2026</a:t>
             </a:fld>
             <a:endParaRPr lang="en-US" dirty="0"/>
           </a:p>
@@ -2190,7 +2145,7 @@
           <a:p>
             <a:fld id="{20EBB0C4-6273-4C6E-B9BD-2EDC30F1CD52}" type="datetimeFigureOut">
               <a:rPr lang="en-US" dirty="0"/>
-              <a:t>12/16/2025</a:t>
+              <a:t>1/5/2026</a:t>
             </a:fld>
             <a:endParaRPr lang="en-US" dirty="0"/>
           </a:p>
@@ -2462,7 +2417,7 @@
           <a:p>
             <a:fld id="{19AB4D41-86C1-4908-B66A-0B50CEB3BF29}" type="datetimeFigureOut">
               <a:rPr lang="en-US" dirty="0"/>
-              <a:t>12/16/2025</a:t>
+              <a:t>1/5/2026</a:t>
             </a:fld>
             <a:endParaRPr lang="en-US" dirty="0"/>
           </a:p>
@@ -2838,7 +2793,7 @@
           <a:p>
             <a:fld id="{E6426E2C-56C1-4E0D-A793-0088A7FDD37E}" type="datetimeFigureOut">
               <a:rPr lang="en-US" dirty="0"/>
-              <a:t>12/16/2025</a:t>
+              <a:t>1/5/2026</a:t>
             </a:fld>
             <a:endParaRPr lang="en-US" dirty="0"/>
           </a:p>
@@ -2955,7 +2910,7 @@
           <a:p>
             <a:fld id="{C8C39B41-D8B5-4052-B551-9B5525EAA8B6}" type="datetimeFigureOut">
               <a:rPr lang="en-US" dirty="0"/>
-              <a:t>12/16/2025</a:t>
+              <a:t>1/5/2026</a:t>
             </a:fld>
             <a:endParaRPr lang="en-US" dirty="0"/>
           </a:p>
@@ -3126,7 +3081,7 @@
           <a:p>
             <a:fld id="{4D94136C-8742-45B2-AF27-D93DF72833A9}" type="datetimeFigureOut">
               <a:rPr lang="en-US" dirty="0"/>
-              <a:t>12/16/2025</a:t>
+              <a:t>1/5/2026</a:t>
             </a:fld>
             <a:endParaRPr lang="en-US" dirty="0"/>
           </a:p>
@@ -3479,7 +3434,7 @@
           <a:p>
             <a:fld id="{32ABBEA6-7C60-4B02-AE87-00D78D8422AF}" type="datetimeFigureOut">
               <a:rPr lang="en-US" dirty="0"/>
-              <a:t>12/16/2025</a:t>
+              <a:t>1/5/2026</a:t>
             </a:fld>
             <a:endParaRPr lang="en-US" dirty="0"/>
           </a:p>
@@ -3857,7 +3812,7 @@
           <a:p>
             <a:fld id="{C9CAD897-D46E-4AD2-BD9B-49DD3E640873}" type="datetimeFigureOut">
               <a:rPr lang="en-US" dirty="0"/>
-              <a:t>12/16/2025</a:t>
+              <a:t>1/5/2026</a:t>
             </a:fld>
             <a:endParaRPr lang="en-US" dirty="0"/>
           </a:p>
@@ -3977,6 +3932,13 @@
             <a:schemeClr val="lt1"/>
           </a:fontRef>
         </p:style>
+        <p:txBody>
+          <a:bodyPr/>
+          <a:lstStyle/>
+          <a:p>
+            <a:endParaRPr lang="cs-CZ"/>
+          </a:p>
+        </p:txBody>
       </p:sp>
       <p:sp>
         <p:nvSpPr>
@@ -4015,6 +3977,13 @@
             <a:schemeClr val="lt1"/>
           </a:fontRef>
         </p:style>
+        <p:txBody>
+          <a:bodyPr/>
+          <a:lstStyle/>
+          <a:p>
+            <a:endParaRPr lang="cs-CZ"/>
+          </a:p>
+        </p:txBody>
       </p:sp>
       <p:sp>
         <p:nvSpPr>
@@ -4142,7 +4111,7 @@
           <a:p>
             <a:fld id="{98624D31-43A5-475A-80CF-332C9F6DCF35}" type="datetimeFigureOut">
               <a:rPr lang="en-US" dirty="0"/>
-              <a:t>12/16/2025</a:t>
+              <a:t>1/5/2026</a:t>
             </a:fld>
             <a:endParaRPr lang="en-US" dirty="0"/>
           </a:p>
@@ -6244,6 +6213,13 @@
             <a:schemeClr val="lt1"/>
           </a:fontRef>
         </p:style>
+        <p:txBody>
+          <a:bodyPr/>
+          <a:lstStyle/>
+          <a:p>
+            <a:endParaRPr lang="cs-CZ"/>
+          </a:p>
+        </p:txBody>
       </p:sp>
       <p:sp>
         <p:nvSpPr>
@@ -6299,6 +6275,13 @@
             <a:schemeClr val="lt1"/>
           </a:fontRef>
         </p:style>
+        <p:txBody>
+          <a:bodyPr/>
+          <a:lstStyle/>
+          <a:p>
+            <a:endParaRPr lang="cs-CZ"/>
+          </a:p>
+        </p:txBody>
       </p:sp>
     </p:spTree>
     <p:extLst>
@@ -7176,26 +7159,6 @@
 </file>
 
 <file path=customXml/item1.xml><?xml version="1.0" encoding="utf-8"?>
-<?mso-contentType ?>
-<FormTemplates xmlns="http://schemas.microsoft.com/sharepoint/v3/contenttype/forms">
-  <Display>DocumentLibraryForm</Display>
-  <Edit>DocumentLibraryForm</Edit>
-  <New>DocumentLibraryForm</New>
-</FormTemplates>
-</file>
-
-<file path=customXml/item2.xml><?xml version="1.0" encoding="utf-8"?>
-<p:properties xmlns:p="http://schemas.microsoft.com/office/2006/metadata/properties" xmlns:xsi="http://www.w3.org/2001/XMLSchema-instance" xmlns:pc="http://schemas.microsoft.com/office/infopath/2007/PartnerControls">
-  <documentManagement>
-    <TaxCatchAll xmlns="3eb61919-e7f8-4a11-8db4-9145fbd21da9" xsi:nil="true"/>
-    <lcf76f155ced4ddcb4097134ff3c332f xmlns="09a37b55-a4d7-45bd-a73f-33c2b1d41898">
-      <Terms xmlns="http://schemas.microsoft.com/office/infopath/2007/PartnerControls"/>
-    </lcf76f155ced4ddcb4097134ff3c332f>
-  </documentManagement>
-</p:properties>
-</file>
-
-<file path=customXml/item3.xml><?xml version="1.0" encoding="utf-8"?>
 <ct:contentTypeSchema xmlns:ct="http://schemas.microsoft.com/office/2006/metadata/contentType" xmlns:ma="http://schemas.microsoft.com/office/2006/metadata/properties/metaAttributes" ct:_="" ma:_="" ma:contentTypeName="Dokument" ma:contentTypeID="0x01010052F7ECDF1E614946A5A39D5552BFC522" ma:contentTypeVersion="9" ma:contentTypeDescription="Vytvoří nový dokument" ma:contentTypeScope="" ma:versionID="cec7e99e499b1a399f5002d8f5cf0989">
   <xsd:schema xmlns:xsd="http://www.w3.org/2001/XMLSchema" xmlns:xs="http://www.w3.org/2001/XMLSchema" xmlns:p="http://schemas.microsoft.com/office/2006/metadata/properties" xmlns:ns2="09a37b55-a4d7-45bd-a73f-33c2b1d41898" xmlns:ns3="3eb61919-e7f8-4a11-8db4-9145fbd21da9" targetNamespace="http://schemas.microsoft.com/office/2006/metadata/properties" ma:root="true" ma:fieldsID="7040e20160986dd2b45602a8e4e840ef" ns2:_="" ns3:_="">
     <xsd:import namespace="09a37b55-a4d7-45bd-a73f-33c2b1d41898"/>
@@ -7376,10 +7339,41 @@
 </ct:contentTypeSchema>
 </file>
 
+<file path=customXml/item2.xml><?xml version="1.0" encoding="utf-8"?>
+<p:properties xmlns:p="http://schemas.microsoft.com/office/2006/metadata/properties" xmlns:xsi="http://www.w3.org/2001/XMLSchema-instance" xmlns:pc="http://schemas.microsoft.com/office/infopath/2007/PartnerControls">
+  <documentManagement>
+    <TaxCatchAll xmlns="3eb61919-e7f8-4a11-8db4-9145fbd21da9" xsi:nil="true"/>
+    <lcf76f155ced4ddcb4097134ff3c332f xmlns="09a37b55-a4d7-45bd-a73f-33c2b1d41898">
+      <Terms xmlns="http://schemas.microsoft.com/office/infopath/2007/PartnerControls"/>
+    </lcf76f155ced4ddcb4097134ff3c332f>
+  </documentManagement>
+</p:properties>
+</file>
+
+<file path=customXml/item3.xml><?xml version="1.0" encoding="utf-8"?>
+<?mso-contentType ?>
+<FormTemplates xmlns="http://schemas.microsoft.com/sharepoint/v3/contenttype/forms">
+  <Display>DocumentLibraryForm</Display>
+  <Edit>DocumentLibraryForm</Edit>
+  <New>DocumentLibraryForm</New>
+</FormTemplates>
+</file>
+
 <file path=customXml/itemProps1.xml><?xml version="1.0" encoding="utf-8"?>
-<ds:datastoreItem xmlns:ds="http://schemas.openxmlformats.org/officeDocument/2006/customXml" ds:itemID="{3022C7D1-EE9E-4242-B577-CD53C439A66F}">
+<ds:datastoreItem xmlns:ds="http://schemas.openxmlformats.org/officeDocument/2006/customXml" ds:itemID="{2AFF94DF-1C38-4816-907F-B1A47A0C4762}">
   <ds:schemaRefs>
-    <ds:schemaRef ds:uri="http://schemas.microsoft.com/sharepoint/v3/contenttype/forms"/>
+    <ds:schemaRef ds:uri="http://schemas.microsoft.com/office/2006/metadata/contentType"/>
+    <ds:schemaRef ds:uri="http://schemas.microsoft.com/office/2006/metadata/properties/metaAttributes"/>
+    <ds:schemaRef ds:uri="http://www.w3.org/2001/XMLSchema"/>
+    <ds:schemaRef ds:uri="http://schemas.microsoft.com/office/2006/metadata/properties"/>
+    <ds:schemaRef ds:uri="09a37b55-a4d7-45bd-a73f-33c2b1d41898"/>
+    <ds:schemaRef ds:uri="3eb61919-e7f8-4a11-8db4-9145fbd21da9"/>
+    <ds:schemaRef ds:uri="http://schemas.microsoft.com/office/2006/documentManagement/types"/>
+    <ds:schemaRef ds:uri="http://schemas.microsoft.com/office/infopath/2007/PartnerControls"/>
+    <ds:schemaRef ds:uri="http://schemas.openxmlformats.org/package/2006/metadata/core-properties"/>
+    <ds:schemaRef ds:uri="http://purl.org/dc/elements/1.1/"/>
+    <ds:schemaRef ds:uri="http://purl.org/dc/terms/"/>
+    <ds:schemaRef ds:uri="http://schemas.microsoft.com/internal/obd"/>
   </ds:schemaRefs>
 </ds:datastoreItem>
 </file>
@@ -7402,20 +7396,9 @@
 </file>
 
 <file path=customXml/itemProps3.xml><?xml version="1.0" encoding="utf-8"?>
-<ds:datastoreItem xmlns:ds="http://schemas.openxmlformats.org/officeDocument/2006/customXml" ds:itemID="{2AFF94DF-1C38-4816-907F-B1A47A0C4762}">
+<ds:datastoreItem xmlns:ds="http://schemas.openxmlformats.org/officeDocument/2006/customXml" ds:itemID="{3022C7D1-EE9E-4242-B577-CD53C439A66F}">
   <ds:schemaRefs>
-    <ds:schemaRef ds:uri="http://schemas.microsoft.com/office/2006/metadata/contentType"/>
-    <ds:schemaRef ds:uri="http://schemas.microsoft.com/office/2006/metadata/properties/metaAttributes"/>
-    <ds:schemaRef ds:uri="http://www.w3.org/2001/XMLSchema"/>
-    <ds:schemaRef ds:uri="http://schemas.microsoft.com/office/2006/metadata/properties"/>
-    <ds:schemaRef ds:uri="09a37b55-a4d7-45bd-a73f-33c2b1d41898"/>
-    <ds:schemaRef ds:uri="3eb61919-e7f8-4a11-8db4-9145fbd21da9"/>
-    <ds:schemaRef ds:uri="http://schemas.microsoft.com/office/2006/documentManagement/types"/>
-    <ds:schemaRef ds:uri="http://schemas.microsoft.com/office/infopath/2007/PartnerControls"/>
-    <ds:schemaRef ds:uri="http://schemas.openxmlformats.org/package/2006/metadata/core-properties"/>
-    <ds:schemaRef ds:uri="http://purl.org/dc/elements/1.1/"/>
-    <ds:schemaRef ds:uri="http://purl.org/dc/terms/"/>
-    <ds:schemaRef ds:uri="http://schemas.microsoft.com/internal/obd"/>
+    <ds:schemaRef ds:uri="http://schemas.microsoft.com/sharepoint/v3/contenttype/forms"/>
   </ds:schemaRefs>
 </ds:datastoreItem>
 </file>